--- a/hw/hw5/image/image.pptx
+++ b/hw/hw5/image/image.pptx
@@ -17,7 +17,8 @@
     <p:sldId id="267" r:id="rId11"/>
     <p:sldId id="269" r:id="rId12"/>
     <p:sldId id="268" r:id="rId13"/>
-    <p:sldId id="270" r:id="rId14"/>
+    <p:sldId id="272" r:id="rId14"/>
+    <p:sldId id="270" r:id="rId15"/>
   </p:sldIdLst>
   <p:sldSz cx="12192000" cy="6858000"/>
   <p:notesSz cx="6858000" cy="9144000"/>
@@ -116,6 +117,11 @@
       </a:defRPr>
     </a:lvl9pPr>
   </p:defaultTextStyle>
+  <p:extLst>
+    <p:ext uri="{EFAFB233-063F-42B5-8137-9DF3F51BA10A}">
+      <p15:sldGuideLst xmlns:p15="http://schemas.microsoft.com/office/powerpoint/2012/main"/>
+    </p:ext>
+  </p:extLst>
 </p:presentation>
 </file>
 
@@ -266,7 +272,7 @@
           <a:p>
             <a:fld id="{8E070000-D550-4661-9CA2-BBFD9AE85635}" type="datetimeFigureOut">
               <a:rPr lang="zh-CN" altLang="en-US" smtClean="0"/>
-              <a:t>2021/5/24</a:t>
+              <a:t>2021/5/25</a:t>
             </a:fld>
             <a:endParaRPr lang="zh-CN" altLang="en-US"/>
           </a:p>
@@ -464,7 +470,7 @@
           <a:p>
             <a:fld id="{8E070000-D550-4661-9CA2-BBFD9AE85635}" type="datetimeFigureOut">
               <a:rPr lang="zh-CN" altLang="en-US" smtClean="0"/>
-              <a:t>2021/5/24</a:t>
+              <a:t>2021/5/25</a:t>
             </a:fld>
             <a:endParaRPr lang="zh-CN" altLang="en-US"/>
           </a:p>
@@ -672,7 +678,7 @@
           <a:p>
             <a:fld id="{8E070000-D550-4661-9CA2-BBFD9AE85635}" type="datetimeFigureOut">
               <a:rPr lang="zh-CN" altLang="en-US" smtClean="0"/>
-              <a:t>2021/5/24</a:t>
+              <a:t>2021/5/25</a:t>
             </a:fld>
             <a:endParaRPr lang="zh-CN" altLang="en-US"/>
           </a:p>
@@ -870,7 +876,7 @@
           <a:p>
             <a:fld id="{8E070000-D550-4661-9CA2-BBFD9AE85635}" type="datetimeFigureOut">
               <a:rPr lang="zh-CN" altLang="en-US" smtClean="0"/>
-              <a:t>2021/5/24</a:t>
+              <a:t>2021/5/25</a:t>
             </a:fld>
             <a:endParaRPr lang="zh-CN" altLang="en-US"/>
           </a:p>
@@ -1145,7 +1151,7 @@
           <a:p>
             <a:fld id="{8E070000-D550-4661-9CA2-BBFD9AE85635}" type="datetimeFigureOut">
               <a:rPr lang="zh-CN" altLang="en-US" smtClean="0"/>
-              <a:t>2021/5/24</a:t>
+              <a:t>2021/5/25</a:t>
             </a:fld>
             <a:endParaRPr lang="zh-CN" altLang="en-US"/>
           </a:p>
@@ -1410,7 +1416,7 @@
           <a:p>
             <a:fld id="{8E070000-D550-4661-9CA2-BBFD9AE85635}" type="datetimeFigureOut">
               <a:rPr lang="zh-CN" altLang="en-US" smtClean="0"/>
-              <a:t>2021/5/24</a:t>
+              <a:t>2021/5/25</a:t>
             </a:fld>
             <a:endParaRPr lang="zh-CN" altLang="en-US"/>
           </a:p>
@@ -1822,7 +1828,7 @@
           <a:p>
             <a:fld id="{8E070000-D550-4661-9CA2-BBFD9AE85635}" type="datetimeFigureOut">
               <a:rPr lang="zh-CN" altLang="en-US" smtClean="0"/>
-              <a:t>2021/5/24</a:t>
+              <a:t>2021/5/25</a:t>
             </a:fld>
             <a:endParaRPr lang="zh-CN" altLang="en-US"/>
           </a:p>
@@ -1963,7 +1969,7 @@
           <a:p>
             <a:fld id="{8E070000-D550-4661-9CA2-BBFD9AE85635}" type="datetimeFigureOut">
               <a:rPr lang="zh-CN" altLang="en-US" smtClean="0"/>
-              <a:t>2021/5/24</a:t>
+              <a:t>2021/5/25</a:t>
             </a:fld>
             <a:endParaRPr lang="zh-CN" altLang="en-US"/>
           </a:p>
@@ -2076,7 +2082,7 @@
           <a:p>
             <a:fld id="{8E070000-D550-4661-9CA2-BBFD9AE85635}" type="datetimeFigureOut">
               <a:rPr lang="zh-CN" altLang="en-US" smtClean="0"/>
-              <a:t>2021/5/24</a:t>
+              <a:t>2021/5/25</a:t>
             </a:fld>
             <a:endParaRPr lang="zh-CN" altLang="en-US"/>
           </a:p>
@@ -2387,7 +2393,7 @@
           <a:p>
             <a:fld id="{8E070000-D550-4661-9CA2-BBFD9AE85635}" type="datetimeFigureOut">
               <a:rPr lang="zh-CN" altLang="en-US" smtClean="0"/>
-              <a:t>2021/5/24</a:t>
+              <a:t>2021/5/25</a:t>
             </a:fld>
             <a:endParaRPr lang="zh-CN" altLang="en-US"/>
           </a:p>
@@ -2675,7 +2681,7 @@
           <a:p>
             <a:fld id="{8E070000-D550-4661-9CA2-BBFD9AE85635}" type="datetimeFigureOut">
               <a:rPr lang="zh-CN" altLang="en-US" smtClean="0"/>
-              <a:t>2021/5/24</a:t>
+              <a:t>2021/5/25</a:t>
             </a:fld>
             <a:endParaRPr lang="zh-CN" altLang="en-US"/>
           </a:p>
@@ -2916,7 +2922,7 @@
           <a:p>
             <a:fld id="{8E070000-D550-4661-9CA2-BBFD9AE85635}" type="datetimeFigureOut">
               <a:rPr lang="zh-CN" altLang="en-US" smtClean="0"/>
-              <a:t>2021/5/24</a:t>
+              <a:t>2021/5/25</a:t>
             </a:fld>
             <a:endParaRPr lang="zh-CN" altLang="en-US"/>
           </a:p>
@@ -10281,7 +10287,7 @@
                 <a:latin typeface="Microsoft JhengHei" panose="020B0604030504040204" pitchFamily="34" charset="-120"/>
                 <a:ea typeface="Microsoft JhengHei" panose="020B0604030504040204" pitchFamily="34" charset="-120"/>
               </a:rPr>
-              <a:t>r = 14</a:t>
+              <a:t>r = 12</a:t>
             </a:r>
             <a:endParaRPr lang="zh-CN" altLang="en-US" sz="1600" dirty="0">
               <a:latin typeface="Microsoft JhengHei" panose="020B0604030504040204" pitchFamily="34" charset="-120"/>
@@ -10691,13 +10697,6 @@
           <a:bodyPr rtlCol="0" anchor="ctr"/>
           <a:lstStyle/>
           <a:p>
-            <a:r>
-              <a:rPr lang="en-US" altLang="zh-CN" sz="1000" dirty="0">
-                <a:latin typeface="Microsoft JhengHei" panose="020B0604030504040204" pitchFamily="34" charset="-120"/>
-                <a:ea typeface="Microsoft JhengHei" panose="020B0604030504040204" pitchFamily="34" charset="-120"/>
-              </a:rPr>
-              <a:t>N[11111]</a:t>
-            </a:r>
             <a:endParaRPr lang="zh-CN" altLang="en-US" sz="1000" dirty="0">
               <a:latin typeface="Microsoft JhengHei" panose="020B0604030504040204" pitchFamily="34" charset="-120"/>
               <a:ea typeface="Microsoft JhengHei" panose="020B0604030504040204" pitchFamily="34" charset="-120"/>
@@ -10882,13 +10881,6 @@
           <a:bodyPr rtlCol="0" anchor="ctr"/>
           <a:lstStyle/>
           <a:p>
-            <a:r>
-              <a:rPr lang="en-US" altLang="zh-CN" sz="1000" dirty="0">
-                <a:latin typeface="Microsoft JhengHei" panose="020B0604030504040204" pitchFamily="34" charset="-120"/>
-                <a:ea typeface="Microsoft JhengHei" panose="020B0604030504040204" pitchFamily="34" charset="-120"/>
-              </a:rPr>
-              <a:t>M[01100]</a:t>
-            </a:r>
             <a:endParaRPr lang="zh-CN" altLang="en-US" sz="1000" dirty="0">
               <a:latin typeface="Microsoft JhengHei" panose="020B0604030504040204" pitchFamily="34" charset="-120"/>
               <a:ea typeface="Microsoft JhengHei" panose="020B0604030504040204" pitchFamily="34" charset="-120"/>
@@ -11660,6 +11652,1897 @@
         <p:spPr>
           <a:xfrm>
             <a:off x="6959102" y="2123579"/>
+            <a:ext cx="195927" cy="195927"/>
+          </a:xfrm>
+          <a:prstGeom prst="rect">
+            <a:avLst/>
+          </a:prstGeom>
+        </p:spPr>
+        <p:style>
+          <a:lnRef idx="2">
+            <a:schemeClr val="accent1"/>
+          </a:lnRef>
+          <a:fillRef idx="1">
+            <a:schemeClr val="lt1"/>
+          </a:fillRef>
+          <a:effectRef idx="0">
+            <a:schemeClr val="accent1"/>
+          </a:effectRef>
+          <a:fontRef idx="minor">
+            <a:schemeClr val="dk1"/>
+          </a:fontRef>
+        </p:style>
+        <p:txBody>
+          <a:bodyPr rot="0" spcFirstLastPara="0" vert="horz" wrap="square" lIns="91440" tIns="45720" rIns="91440" bIns="45720" numCol="1" spcCol="0" rtlCol="0" fromWordArt="0" anchor="ctr" anchorCtr="0" forceAA="0" compatLnSpc="1">
+            <a:prstTxWarp prst="textNoShape">
+              <a:avLst/>
+            </a:prstTxWarp>
+            <a:noAutofit/>
+          </a:bodyPr>
+          <a:lstStyle>
+            <a:defPPr>
+              <a:defRPr lang="zh-CN"/>
+            </a:defPPr>
+            <a:lvl1pPr marL="0" algn="l" defTabSz="914400" rtl="0" eaLnBrk="1" latinLnBrk="0" hangingPunct="1">
+              <a:defRPr sz="1800" kern="1200">
+                <a:solidFill>
+                  <a:schemeClr val="dk1"/>
+                </a:solidFill>
+                <a:latin typeface="+mn-lt"/>
+                <a:ea typeface="+mn-ea"/>
+                <a:cs typeface="+mn-cs"/>
+              </a:defRPr>
+            </a:lvl1pPr>
+            <a:lvl2pPr marL="457200" algn="l" defTabSz="914400" rtl="0" eaLnBrk="1" latinLnBrk="0" hangingPunct="1">
+              <a:defRPr sz="1800" kern="1200">
+                <a:solidFill>
+                  <a:schemeClr val="dk1"/>
+                </a:solidFill>
+                <a:latin typeface="+mn-lt"/>
+                <a:ea typeface="+mn-ea"/>
+                <a:cs typeface="+mn-cs"/>
+              </a:defRPr>
+            </a:lvl2pPr>
+            <a:lvl3pPr marL="914400" algn="l" defTabSz="914400" rtl="0" eaLnBrk="1" latinLnBrk="0" hangingPunct="1">
+              <a:defRPr sz="1800" kern="1200">
+                <a:solidFill>
+                  <a:schemeClr val="dk1"/>
+                </a:solidFill>
+                <a:latin typeface="+mn-lt"/>
+                <a:ea typeface="+mn-ea"/>
+                <a:cs typeface="+mn-cs"/>
+              </a:defRPr>
+            </a:lvl3pPr>
+            <a:lvl4pPr marL="1371600" algn="l" defTabSz="914400" rtl="0" eaLnBrk="1" latinLnBrk="0" hangingPunct="1">
+              <a:defRPr sz="1800" kern="1200">
+                <a:solidFill>
+                  <a:schemeClr val="dk1"/>
+                </a:solidFill>
+                <a:latin typeface="+mn-lt"/>
+                <a:ea typeface="+mn-ea"/>
+                <a:cs typeface="+mn-cs"/>
+              </a:defRPr>
+            </a:lvl4pPr>
+            <a:lvl5pPr marL="1828800" algn="l" defTabSz="914400" rtl="0" eaLnBrk="1" latinLnBrk="0" hangingPunct="1">
+              <a:defRPr sz="1800" kern="1200">
+                <a:solidFill>
+                  <a:schemeClr val="dk1"/>
+                </a:solidFill>
+                <a:latin typeface="+mn-lt"/>
+                <a:ea typeface="+mn-ea"/>
+                <a:cs typeface="+mn-cs"/>
+              </a:defRPr>
+            </a:lvl5pPr>
+            <a:lvl6pPr marL="2286000" algn="l" defTabSz="914400" rtl="0" eaLnBrk="1" latinLnBrk="0" hangingPunct="1">
+              <a:defRPr sz="1800" kern="1200">
+                <a:solidFill>
+                  <a:schemeClr val="dk1"/>
+                </a:solidFill>
+                <a:latin typeface="+mn-lt"/>
+                <a:ea typeface="+mn-ea"/>
+                <a:cs typeface="+mn-cs"/>
+              </a:defRPr>
+            </a:lvl6pPr>
+            <a:lvl7pPr marL="2743200" algn="l" defTabSz="914400" rtl="0" eaLnBrk="1" latinLnBrk="0" hangingPunct="1">
+              <a:defRPr sz="1800" kern="1200">
+                <a:solidFill>
+                  <a:schemeClr val="dk1"/>
+                </a:solidFill>
+                <a:latin typeface="+mn-lt"/>
+                <a:ea typeface="+mn-ea"/>
+                <a:cs typeface="+mn-cs"/>
+              </a:defRPr>
+            </a:lvl7pPr>
+            <a:lvl8pPr marL="3200400" algn="l" defTabSz="914400" rtl="0" eaLnBrk="1" latinLnBrk="0" hangingPunct="1">
+              <a:defRPr sz="1800" kern="1200">
+                <a:solidFill>
+                  <a:schemeClr val="dk1"/>
+                </a:solidFill>
+                <a:latin typeface="+mn-lt"/>
+                <a:ea typeface="+mn-ea"/>
+                <a:cs typeface="+mn-cs"/>
+              </a:defRPr>
+            </a:lvl8pPr>
+            <a:lvl9pPr marL="3657600" algn="l" defTabSz="914400" rtl="0" eaLnBrk="1" latinLnBrk="0" hangingPunct="1">
+              <a:defRPr sz="1800" kern="1200">
+                <a:solidFill>
+                  <a:schemeClr val="dk1"/>
+                </a:solidFill>
+                <a:latin typeface="+mn-lt"/>
+                <a:ea typeface="+mn-ea"/>
+                <a:cs typeface="+mn-cs"/>
+              </a:defRPr>
+            </a:lvl9pPr>
+          </a:lstStyle>
+          <a:p>
+            <a:pPr algn="ctr"/>
+            <a:endParaRPr lang="zh-CN" altLang="en-US"/>
+          </a:p>
+        </p:txBody>
+      </p:sp>
+    </p:spTree>
+    <p:extLst>
+      <p:ext uri="{BB962C8B-B14F-4D97-AF65-F5344CB8AC3E}">
+        <p14:creationId xmlns:p14="http://schemas.microsoft.com/office/powerpoint/2010/main" val="1143864524"/>
+      </p:ext>
+    </p:extLst>
+  </p:cSld>
+  <p:clrMapOvr>
+    <a:masterClrMapping/>
+  </p:clrMapOvr>
+</p:sld>
+</file>
+
+<file path=ppt/slides/slide14.xml><?xml version="1.0" encoding="utf-8"?>
+<p:sld xmlns:a="http://schemas.openxmlformats.org/drawingml/2006/main" xmlns:r="http://schemas.openxmlformats.org/officeDocument/2006/relationships" xmlns:p="http://schemas.openxmlformats.org/presentationml/2006/main">
+  <p:cSld>
+    <p:spTree>
+      <p:nvGrpSpPr>
+        <p:cNvPr id="1" name=""/>
+        <p:cNvGrpSpPr/>
+        <p:nvPr/>
+      </p:nvGrpSpPr>
+      <p:grpSpPr>
+        <a:xfrm>
+          <a:off x="0" y="0"/>
+          <a:ext cx="0" cy="0"/>
+          <a:chOff x="0" y="0"/>
+          <a:chExt cx="0" cy="0"/>
+        </a:xfrm>
+      </p:grpSpPr>
+      <p:sp>
+        <p:nvSpPr>
+          <p:cNvPr id="13" name="矩形 12">
+            <a:extLst>
+              <a:ext uri="{FF2B5EF4-FFF2-40B4-BE49-F238E27FC236}">
+                <a16:creationId xmlns:a16="http://schemas.microsoft.com/office/drawing/2014/main" id="{014498D1-DD83-4CE7-BB30-2D3E6867C8F5}"/>
+              </a:ext>
+            </a:extLst>
+          </p:cNvPr>
+          <p:cNvSpPr/>
+          <p:nvPr/>
+        </p:nvSpPr>
+        <p:spPr>
+          <a:xfrm>
+            <a:off x="4591548" y="1126317"/>
+            <a:ext cx="938804" cy="214234"/>
+          </a:xfrm>
+          <a:prstGeom prst="rect">
+            <a:avLst/>
+          </a:prstGeom>
+        </p:spPr>
+        <p:style>
+          <a:lnRef idx="2">
+            <a:schemeClr val="accent1"/>
+          </a:lnRef>
+          <a:fillRef idx="1">
+            <a:schemeClr val="lt1"/>
+          </a:fillRef>
+          <a:effectRef idx="0">
+            <a:schemeClr val="accent1"/>
+          </a:effectRef>
+          <a:fontRef idx="minor">
+            <a:schemeClr val="dk1"/>
+          </a:fontRef>
+        </p:style>
+        <p:txBody>
+          <a:bodyPr rtlCol="0" anchor="ctr"/>
+          <a:lstStyle/>
+          <a:p>
+            <a:r>
+              <a:rPr lang="en-US" altLang="zh-CN" sz="1000" dirty="0">
+                <a:latin typeface="Microsoft JhengHei" panose="020B0604030504040204" pitchFamily="34" charset="-120"/>
+                <a:ea typeface="Microsoft JhengHei" panose="020B0604030504040204" pitchFamily="34" charset="-120"/>
+              </a:rPr>
+              <a:t>F[01000]</a:t>
+            </a:r>
+          </a:p>
+        </p:txBody>
+      </p:sp>
+      <p:sp>
+        <p:nvSpPr>
+          <p:cNvPr id="14" name="矩形 13">
+            <a:extLst>
+              <a:ext uri="{FF2B5EF4-FFF2-40B4-BE49-F238E27FC236}">
+                <a16:creationId xmlns:a16="http://schemas.microsoft.com/office/drawing/2014/main" id="{9AE99E33-F58D-4D25-A8C1-A9A88A1BDC74}"/>
+              </a:ext>
+            </a:extLst>
+          </p:cNvPr>
+          <p:cNvSpPr/>
+          <p:nvPr/>
+        </p:nvSpPr>
+        <p:spPr>
+          <a:xfrm>
+            <a:off x="4591548" y="1322244"/>
+            <a:ext cx="938804" cy="214234"/>
+          </a:xfrm>
+          <a:prstGeom prst="rect">
+            <a:avLst/>
+          </a:prstGeom>
+        </p:spPr>
+        <p:style>
+          <a:lnRef idx="2">
+            <a:schemeClr val="accent1"/>
+          </a:lnRef>
+          <a:fillRef idx="1">
+            <a:schemeClr val="lt1"/>
+          </a:fillRef>
+          <a:effectRef idx="0">
+            <a:schemeClr val="accent1"/>
+          </a:effectRef>
+          <a:fontRef idx="minor">
+            <a:schemeClr val="dk1"/>
+          </a:fontRef>
+        </p:style>
+        <p:txBody>
+          <a:bodyPr rtlCol="0" anchor="ctr"/>
+          <a:lstStyle/>
+          <a:p>
+            <a:endParaRPr lang="en-US" altLang="zh-CN" sz="1000" dirty="0">
+              <a:latin typeface="Microsoft JhengHei" panose="020B0604030504040204" pitchFamily="34" charset="-120"/>
+              <a:ea typeface="Microsoft JhengHei" panose="020B0604030504040204" pitchFamily="34" charset="-120"/>
+            </a:endParaRPr>
+          </a:p>
+        </p:txBody>
+      </p:sp>
+      <p:sp>
+        <p:nvSpPr>
+          <p:cNvPr id="16" name="矩形 15">
+            <a:extLst>
+              <a:ext uri="{FF2B5EF4-FFF2-40B4-BE49-F238E27FC236}">
+                <a16:creationId xmlns:a16="http://schemas.microsoft.com/office/drawing/2014/main" id="{247D9BAB-2803-4186-8A2B-93A2407FBE1C}"/>
+              </a:ext>
+            </a:extLst>
+          </p:cNvPr>
+          <p:cNvSpPr/>
+          <p:nvPr/>
+        </p:nvSpPr>
+        <p:spPr>
+          <a:xfrm>
+            <a:off x="4591548" y="1518171"/>
+            <a:ext cx="938804" cy="214234"/>
+          </a:xfrm>
+          <a:prstGeom prst="rect">
+            <a:avLst/>
+          </a:prstGeom>
+        </p:spPr>
+        <p:style>
+          <a:lnRef idx="2">
+            <a:schemeClr val="accent1"/>
+          </a:lnRef>
+          <a:fillRef idx="1">
+            <a:schemeClr val="lt1"/>
+          </a:fillRef>
+          <a:effectRef idx="0">
+            <a:schemeClr val="accent1"/>
+          </a:effectRef>
+          <a:fontRef idx="minor">
+            <a:schemeClr val="dk1"/>
+          </a:fontRef>
+        </p:style>
+        <p:txBody>
+          <a:bodyPr rtlCol="0" anchor="ctr"/>
+          <a:lstStyle/>
+          <a:p>
+            <a:endParaRPr lang="zh-CN" altLang="en-US" sz="1000" dirty="0">
+              <a:latin typeface="Microsoft JhengHei" panose="020B0604030504040204" pitchFamily="34" charset="-120"/>
+              <a:ea typeface="Microsoft JhengHei" panose="020B0604030504040204" pitchFamily="34" charset="-120"/>
+            </a:endParaRPr>
+          </a:p>
+        </p:txBody>
+      </p:sp>
+      <p:sp>
+        <p:nvSpPr>
+          <p:cNvPr id="57" name="矩形 56">
+            <a:extLst>
+              <a:ext uri="{FF2B5EF4-FFF2-40B4-BE49-F238E27FC236}">
+                <a16:creationId xmlns:a16="http://schemas.microsoft.com/office/drawing/2014/main" id="{C154CBCB-28C6-4AB9-AB31-1A5CF3DDCCC3}"/>
+              </a:ext>
+            </a:extLst>
+          </p:cNvPr>
+          <p:cNvSpPr/>
+          <p:nvPr/>
+        </p:nvSpPr>
+        <p:spPr>
+          <a:xfrm>
+            <a:off x="4591548" y="2123579"/>
+            <a:ext cx="938804" cy="214234"/>
+          </a:xfrm>
+          <a:prstGeom prst="rect">
+            <a:avLst/>
+          </a:prstGeom>
+        </p:spPr>
+        <p:style>
+          <a:lnRef idx="2">
+            <a:schemeClr val="accent1"/>
+          </a:lnRef>
+          <a:fillRef idx="1">
+            <a:schemeClr val="lt1"/>
+          </a:fillRef>
+          <a:effectRef idx="0">
+            <a:schemeClr val="accent1"/>
+          </a:effectRef>
+          <a:fontRef idx="minor">
+            <a:schemeClr val="dk1"/>
+          </a:fontRef>
+        </p:style>
+        <p:txBody>
+          <a:bodyPr rtlCol="0" anchor="ctr"/>
+          <a:lstStyle/>
+          <a:p>
+            <a:r>
+              <a:rPr lang="en-US" altLang="zh-CN" sz="1000" dirty="0">
+                <a:latin typeface="Microsoft JhengHei" panose="020B0604030504040204" pitchFamily="34" charset="-120"/>
+                <a:ea typeface="Microsoft JhengHei" panose="020B0604030504040204" pitchFamily="34" charset="-120"/>
+              </a:rPr>
+              <a:t>A[11001]</a:t>
+            </a:r>
+            <a:endParaRPr lang="zh-CN" altLang="en-US" sz="1000" dirty="0">
+              <a:latin typeface="Microsoft JhengHei" panose="020B0604030504040204" pitchFamily="34" charset="-120"/>
+              <a:ea typeface="Microsoft JhengHei" panose="020B0604030504040204" pitchFamily="34" charset="-120"/>
+            </a:endParaRPr>
+          </a:p>
+        </p:txBody>
+      </p:sp>
+      <p:sp>
+        <p:nvSpPr>
+          <p:cNvPr id="58" name="矩形 57">
+            <a:extLst>
+              <a:ext uri="{FF2B5EF4-FFF2-40B4-BE49-F238E27FC236}">
+                <a16:creationId xmlns:a16="http://schemas.microsoft.com/office/drawing/2014/main" id="{53BC7C1C-E2CC-4DFB-8261-1369D40C2209}"/>
+              </a:ext>
+            </a:extLst>
+          </p:cNvPr>
+          <p:cNvSpPr/>
+          <p:nvPr/>
+        </p:nvSpPr>
+        <p:spPr>
+          <a:xfrm>
+            <a:off x="4591548" y="2319506"/>
+            <a:ext cx="938804" cy="214234"/>
+          </a:xfrm>
+          <a:prstGeom prst="rect">
+            <a:avLst/>
+          </a:prstGeom>
+        </p:spPr>
+        <p:style>
+          <a:lnRef idx="2">
+            <a:schemeClr val="accent1"/>
+          </a:lnRef>
+          <a:fillRef idx="1">
+            <a:schemeClr val="lt1"/>
+          </a:fillRef>
+          <a:effectRef idx="0">
+            <a:schemeClr val="accent1"/>
+          </a:effectRef>
+          <a:fontRef idx="minor">
+            <a:schemeClr val="dk1"/>
+          </a:fontRef>
+        </p:style>
+        <p:txBody>
+          <a:bodyPr rtlCol="0" anchor="ctr"/>
+          <a:lstStyle/>
+          <a:p>
+            <a:r>
+              <a:rPr lang="en-US" altLang="zh-CN" sz="1000">
+                <a:latin typeface="Microsoft JhengHei" panose="020B0604030504040204" pitchFamily="34" charset="-120"/>
+                <a:ea typeface="Microsoft JhengHei" panose="020B0604030504040204" pitchFamily="34" charset="-120"/>
+              </a:rPr>
+              <a:t>I[10001]</a:t>
+            </a:r>
+            <a:endParaRPr lang="zh-CN" altLang="en-US" sz="1000" dirty="0">
+              <a:latin typeface="Microsoft JhengHei" panose="020B0604030504040204" pitchFamily="34" charset="-120"/>
+              <a:ea typeface="Microsoft JhengHei" panose="020B0604030504040204" pitchFamily="34" charset="-120"/>
+            </a:endParaRPr>
+          </a:p>
+        </p:txBody>
+      </p:sp>
+      <p:sp>
+        <p:nvSpPr>
+          <p:cNvPr id="60" name="矩形 59">
+            <a:extLst>
+              <a:ext uri="{FF2B5EF4-FFF2-40B4-BE49-F238E27FC236}">
+                <a16:creationId xmlns:a16="http://schemas.microsoft.com/office/drawing/2014/main" id="{34D949D8-36B3-4308-8370-D32C7189E13F}"/>
+              </a:ext>
+            </a:extLst>
+          </p:cNvPr>
+          <p:cNvSpPr/>
+          <p:nvPr/>
+        </p:nvSpPr>
+        <p:spPr>
+          <a:xfrm>
+            <a:off x="4591548" y="2515433"/>
+            <a:ext cx="938804" cy="214234"/>
+          </a:xfrm>
+          <a:prstGeom prst="rect">
+            <a:avLst/>
+          </a:prstGeom>
+        </p:spPr>
+        <p:style>
+          <a:lnRef idx="2">
+            <a:schemeClr val="accent1"/>
+          </a:lnRef>
+          <a:fillRef idx="1">
+            <a:schemeClr val="lt1"/>
+          </a:fillRef>
+          <a:effectRef idx="0">
+            <a:schemeClr val="accent1"/>
+          </a:effectRef>
+          <a:fontRef idx="minor">
+            <a:schemeClr val="dk1"/>
+          </a:fontRef>
+        </p:style>
+        <p:txBody>
+          <a:bodyPr rtlCol="0" anchor="ctr"/>
+          <a:lstStyle/>
+          <a:p>
+            <a:endParaRPr lang="zh-CN" altLang="en-US" sz="1000" dirty="0">
+              <a:latin typeface="Microsoft JhengHei" panose="020B0604030504040204" pitchFamily="34" charset="-120"/>
+              <a:ea typeface="Microsoft JhengHei" panose="020B0604030504040204" pitchFamily="34" charset="-120"/>
+            </a:endParaRPr>
+          </a:p>
+        </p:txBody>
+      </p:sp>
+      <p:sp>
+        <p:nvSpPr>
+          <p:cNvPr id="46" name="矩形 45">
+            <a:extLst>
+              <a:ext uri="{FF2B5EF4-FFF2-40B4-BE49-F238E27FC236}">
+                <a16:creationId xmlns:a16="http://schemas.microsoft.com/office/drawing/2014/main" id="{32B6BD22-2195-4DC7-845D-D47531196B93}"/>
+              </a:ext>
+            </a:extLst>
+          </p:cNvPr>
+          <p:cNvSpPr/>
+          <p:nvPr/>
+        </p:nvSpPr>
+        <p:spPr>
+          <a:xfrm>
+            <a:off x="1820777" y="2128694"/>
+            <a:ext cx="886507" cy="1074570"/>
+          </a:xfrm>
+          <a:prstGeom prst="rect">
+            <a:avLst/>
+          </a:prstGeom>
+        </p:spPr>
+        <p:style>
+          <a:lnRef idx="2">
+            <a:schemeClr val="accent1"/>
+          </a:lnRef>
+          <a:fillRef idx="1">
+            <a:schemeClr val="lt1"/>
+          </a:fillRef>
+          <a:effectRef idx="0">
+            <a:schemeClr val="accent1"/>
+          </a:effectRef>
+          <a:fontRef idx="minor">
+            <a:schemeClr val="dk1"/>
+          </a:fontRef>
+        </p:style>
+        <p:txBody>
+          <a:bodyPr rtlCol="0" anchor="ctr"/>
+          <a:lstStyle/>
+          <a:p>
+            <a:r>
+              <a:rPr lang="en-US" altLang="zh-CN" sz="1600" dirty="0">
+                <a:latin typeface="Microsoft JhengHei" panose="020B0604030504040204" pitchFamily="34" charset="-120"/>
+                <a:ea typeface="Microsoft JhengHei" panose="020B0604030504040204" pitchFamily="34" charset="-120"/>
+              </a:rPr>
+              <a:t>i = 2</a:t>
+            </a:r>
+          </a:p>
+          <a:p>
+            <a:r>
+              <a:rPr lang="en-US" altLang="zh-CN" sz="1600" dirty="0">
+                <a:latin typeface="Microsoft JhengHei" panose="020B0604030504040204" pitchFamily="34" charset="-120"/>
+                <a:ea typeface="Microsoft JhengHei" panose="020B0604030504040204" pitchFamily="34" charset="-120"/>
+              </a:rPr>
+              <a:t>n = 5 </a:t>
+            </a:r>
+          </a:p>
+          <a:p>
+            <a:r>
+              <a:rPr lang="en-US" altLang="zh-CN" sz="1600" dirty="0">
+                <a:latin typeface="Microsoft JhengHei" panose="020B0604030504040204" pitchFamily="34" charset="-120"/>
+                <a:ea typeface="Microsoft JhengHei" panose="020B0604030504040204" pitchFamily="34" charset="-120"/>
+              </a:rPr>
+              <a:t>r = 14</a:t>
+            </a:r>
+            <a:endParaRPr lang="zh-CN" altLang="en-US" sz="1600" dirty="0">
+              <a:latin typeface="Microsoft JhengHei" panose="020B0604030504040204" pitchFamily="34" charset="-120"/>
+              <a:ea typeface="Microsoft JhengHei" panose="020B0604030504040204" pitchFamily="34" charset="-120"/>
+            </a:endParaRPr>
+          </a:p>
+        </p:txBody>
+      </p:sp>
+      <p:sp>
+        <p:nvSpPr>
+          <p:cNvPr id="47" name="文本框 46">
+            <a:extLst>
+              <a:ext uri="{FF2B5EF4-FFF2-40B4-BE49-F238E27FC236}">
+                <a16:creationId xmlns:a16="http://schemas.microsoft.com/office/drawing/2014/main" id="{AF76D7E9-53C6-4BA1-AF13-2263CF754CE9}"/>
+              </a:ext>
+            </a:extLst>
+          </p:cNvPr>
+          <p:cNvSpPr txBox="1"/>
+          <p:nvPr/>
+        </p:nvSpPr>
+        <p:spPr>
+          <a:xfrm>
+            <a:off x="3727450" y="1232601"/>
+            <a:ext cx="550151" cy="369332"/>
+          </a:xfrm>
+          <a:prstGeom prst="rect">
+            <a:avLst/>
+          </a:prstGeom>
+          <a:noFill/>
+        </p:spPr>
+        <p:txBody>
+          <a:bodyPr wrap="none" rtlCol="0">
+            <a:spAutoFit/>
+          </a:bodyPr>
+          <a:lstStyle/>
+          <a:p>
+            <a:r>
+              <a:rPr lang="en-US" altLang="zh-CN" dirty="0"/>
+              <a:t>000</a:t>
+            </a:r>
+            <a:endParaRPr lang="zh-CN" altLang="en-US" dirty="0"/>
+          </a:p>
+        </p:txBody>
+      </p:sp>
+      <p:sp>
+        <p:nvSpPr>
+          <p:cNvPr id="61" name="文本框 60">
+            <a:extLst>
+              <a:ext uri="{FF2B5EF4-FFF2-40B4-BE49-F238E27FC236}">
+                <a16:creationId xmlns:a16="http://schemas.microsoft.com/office/drawing/2014/main" id="{1AD35271-3BA9-492B-89D2-6B386911E202}"/>
+              </a:ext>
+            </a:extLst>
+          </p:cNvPr>
+          <p:cNvSpPr txBox="1"/>
+          <p:nvPr/>
+        </p:nvSpPr>
+        <p:spPr>
+          <a:xfrm>
+            <a:off x="3727450" y="2213973"/>
+            <a:ext cx="550151" cy="369332"/>
+          </a:xfrm>
+          <a:prstGeom prst="rect">
+            <a:avLst/>
+          </a:prstGeom>
+          <a:noFill/>
+        </p:spPr>
+        <p:txBody>
+          <a:bodyPr wrap="none" rtlCol="0">
+            <a:spAutoFit/>
+          </a:bodyPr>
+          <a:lstStyle/>
+          <a:p>
+            <a:r>
+              <a:rPr lang="en-US" altLang="zh-CN" dirty="0"/>
+              <a:t>001</a:t>
+            </a:r>
+            <a:endParaRPr lang="zh-CN" altLang="en-US" dirty="0"/>
+          </a:p>
+        </p:txBody>
+      </p:sp>
+      <p:sp>
+        <p:nvSpPr>
+          <p:cNvPr id="17" name="矩形 16">
+            <a:extLst>
+              <a:ext uri="{FF2B5EF4-FFF2-40B4-BE49-F238E27FC236}">
+                <a16:creationId xmlns:a16="http://schemas.microsoft.com/office/drawing/2014/main" id="{DF73B886-2B00-48AB-9F66-9BE3BE902F36}"/>
+              </a:ext>
+            </a:extLst>
+          </p:cNvPr>
+          <p:cNvSpPr/>
+          <p:nvPr/>
+        </p:nvSpPr>
+        <p:spPr>
+          <a:xfrm>
+            <a:off x="4597400" y="3100292"/>
+            <a:ext cx="938804" cy="214234"/>
+          </a:xfrm>
+          <a:prstGeom prst="rect">
+            <a:avLst/>
+          </a:prstGeom>
+        </p:spPr>
+        <p:style>
+          <a:lnRef idx="2">
+            <a:schemeClr val="accent1"/>
+          </a:lnRef>
+          <a:fillRef idx="1">
+            <a:schemeClr val="lt1"/>
+          </a:fillRef>
+          <a:effectRef idx="0">
+            <a:schemeClr val="accent1"/>
+          </a:effectRef>
+          <a:fontRef idx="minor">
+            <a:schemeClr val="dk1"/>
+          </a:fontRef>
+        </p:style>
+        <p:txBody>
+          <a:bodyPr rtlCol="0" anchor="ctr"/>
+          <a:lstStyle/>
+          <a:p>
+            <a:r>
+              <a:rPr lang="en-US" altLang="zh-CN" sz="1000" dirty="0">
+                <a:latin typeface="Microsoft JhengHei" panose="020B0604030504040204" pitchFamily="34" charset="-120"/>
+                <a:ea typeface="Microsoft JhengHei" panose="020B0604030504040204" pitchFamily="34" charset="-120"/>
+              </a:rPr>
+              <a:t>D[00110]</a:t>
+            </a:r>
+          </a:p>
+        </p:txBody>
+      </p:sp>
+      <p:sp>
+        <p:nvSpPr>
+          <p:cNvPr id="18" name="矩形 17">
+            <a:extLst>
+              <a:ext uri="{FF2B5EF4-FFF2-40B4-BE49-F238E27FC236}">
+                <a16:creationId xmlns:a16="http://schemas.microsoft.com/office/drawing/2014/main" id="{846DD466-8116-4314-9A1A-0EE4C9075F47}"/>
+              </a:ext>
+            </a:extLst>
+          </p:cNvPr>
+          <p:cNvSpPr/>
+          <p:nvPr/>
+        </p:nvSpPr>
+        <p:spPr>
+          <a:xfrm>
+            <a:off x="4597400" y="3296219"/>
+            <a:ext cx="938804" cy="214234"/>
+          </a:xfrm>
+          <a:prstGeom prst="rect">
+            <a:avLst/>
+          </a:prstGeom>
+        </p:spPr>
+        <p:style>
+          <a:lnRef idx="2">
+            <a:schemeClr val="accent1"/>
+          </a:lnRef>
+          <a:fillRef idx="1">
+            <a:schemeClr val="lt1"/>
+          </a:fillRef>
+          <a:effectRef idx="0">
+            <a:schemeClr val="accent1"/>
+          </a:effectRef>
+          <a:fontRef idx="minor">
+            <a:schemeClr val="dk1"/>
+          </a:fontRef>
+        </p:style>
+        <p:txBody>
+          <a:bodyPr rtlCol="0" anchor="ctr"/>
+          <a:lstStyle/>
+          <a:p>
+            <a:r>
+              <a:rPr lang="en-US" altLang="zh-CN" sz="1000" dirty="0">
+                <a:latin typeface="Microsoft JhengHei" panose="020B0604030504040204" pitchFamily="34" charset="-120"/>
+                <a:ea typeface="Microsoft JhengHei" panose="020B0604030504040204" pitchFamily="34" charset="-120"/>
+              </a:rPr>
+              <a:t>H[11110]</a:t>
+            </a:r>
+            <a:endParaRPr lang="zh-CN" altLang="en-US" sz="1000" dirty="0">
+              <a:latin typeface="Microsoft JhengHei" panose="020B0604030504040204" pitchFamily="34" charset="-120"/>
+              <a:ea typeface="Microsoft JhengHei" panose="020B0604030504040204" pitchFamily="34" charset="-120"/>
+            </a:endParaRPr>
+          </a:p>
+        </p:txBody>
+      </p:sp>
+      <p:sp>
+        <p:nvSpPr>
+          <p:cNvPr id="20" name="矩形 19">
+            <a:extLst>
+              <a:ext uri="{FF2B5EF4-FFF2-40B4-BE49-F238E27FC236}">
+                <a16:creationId xmlns:a16="http://schemas.microsoft.com/office/drawing/2014/main" id="{559E267D-4AEB-402A-AC1F-DCF33C6F194B}"/>
+              </a:ext>
+            </a:extLst>
+          </p:cNvPr>
+          <p:cNvSpPr/>
+          <p:nvPr/>
+        </p:nvSpPr>
+        <p:spPr>
+          <a:xfrm>
+            <a:off x="4597400" y="3492146"/>
+            <a:ext cx="938804" cy="214234"/>
+          </a:xfrm>
+          <a:prstGeom prst="rect">
+            <a:avLst/>
+          </a:prstGeom>
+        </p:spPr>
+        <p:style>
+          <a:lnRef idx="2">
+            <a:schemeClr val="accent1"/>
+          </a:lnRef>
+          <a:fillRef idx="1">
+            <a:schemeClr val="lt1"/>
+          </a:fillRef>
+          <a:effectRef idx="0">
+            <a:schemeClr val="accent1"/>
+          </a:effectRef>
+          <a:fontRef idx="minor">
+            <a:schemeClr val="dk1"/>
+          </a:fontRef>
+        </p:style>
+        <p:txBody>
+          <a:bodyPr rtlCol="0" anchor="ctr"/>
+          <a:lstStyle/>
+          <a:p>
+            <a:endParaRPr lang="zh-CN" altLang="en-US" sz="1000" dirty="0">
+              <a:latin typeface="Microsoft JhengHei" panose="020B0604030504040204" pitchFamily="34" charset="-120"/>
+              <a:ea typeface="Microsoft JhengHei" panose="020B0604030504040204" pitchFamily="34" charset="-120"/>
+            </a:endParaRPr>
+          </a:p>
+        </p:txBody>
+      </p:sp>
+      <p:sp>
+        <p:nvSpPr>
+          <p:cNvPr id="21" name="文本框 20">
+            <a:extLst>
+              <a:ext uri="{FF2B5EF4-FFF2-40B4-BE49-F238E27FC236}">
+                <a16:creationId xmlns:a16="http://schemas.microsoft.com/office/drawing/2014/main" id="{26388628-4D77-4D47-846F-DBB7540C40CC}"/>
+              </a:ext>
+            </a:extLst>
+          </p:cNvPr>
+          <p:cNvSpPr txBox="1"/>
+          <p:nvPr/>
+        </p:nvSpPr>
+        <p:spPr>
+          <a:xfrm>
+            <a:off x="3733302" y="3190686"/>
+            <a:ext cx="550151" cy="369332"/>
+          </a:xfrm>
+          <a:prstGeom prst="rect">
+            <a:avLst/>
+          </a:prstGeom>
+          <a:noFill/>
+        </p:spPr>
+        <p:txBody>
+          <a:bodyPr wrap="none" rtlCol="0">
+            <a:spAutoFit/>
+          </a:bodyPr>
+          <a:lstStyle/>
+          <a:p>
+            <a:r>
+              <a:rPr lang="en-US" altLang="zh-CN" dirty="0"/>
+              <a:t>010</a:t>
+            </a:r>
+            <a:endParaRPr lang="zh-CN" altLang="en-US" dirty="0"/>
+          </a:p>
+        </p:txBody>
+      </p:sp>
+      <p:sp>
+        <p:nvSpPr>
+          <p:cNvPr id="19" name="矩形 18">
+            <a:extLst>
+              <a:ext uri="{FF2B5EF4-FFF2-40B4-BE49-F238E27FC236}">
+                <a16:creationId xmlns:a16="http://schemas.microsoft.com/office/drawing/2014/main" id="{AC1F1040-8F7A-4B0B-BE35-B940F9C9E059}"/>
+              </a:ext>
+            </a:extLst>
+          </p:cNvPr>
+          <p:cNvSpPr/>
+          <p:nvPr/>
+        </p:nvSpPr>
+        <p:spPr>
+          <a:xfrm>
+            <a:off x="4591547" y="3926566"/>
+            <a:ext cx="938804" cy="214234"/>
+          </a:xfrm>
+          <a:prstGeom prst="rect">
+            <a:avLst/>
+          </a:prstGeom>
+        </p:spPr>
+        <p:style>
+          <a:lnRef idx="2">
+            <a:schemeClr val="accent1"/>
+          </a:lnRef>
+          <a:fillRef idx="1">
+            <a:schemeClr val="lt1"/>
+          </a:fillRef>
+          <a:effectRef idx="0">
+            <a:schemeClr val="accent1"/>
+          </a:effectRef>
+          <a:fontRef idx="minor">
+            <a:schemeClr val="dk1"/>
+          </a:fontRef>
+        </p:style>
+        <p:txBody>
+          <a:bodyPr rtlCol="0" anchor="ctr"/>
+          <a:lstStyle/>
+          <a:p>
+            <a:r>
+              <a:rPr lang="en-US" altLang="zh-CN" sz="1000" dirty="0">
+                <a:latin typeface="Microsoft JhengHei" panose="020B0604030504040204" pitchFamily="34" charset="-120"/>
+                <a:ea typeface="Microsoft JhengHei" panose="020B0604030504040204" pitchFamily="34" charset="-120"/>
+              </a:rPr>
+              <a:t>B[00111]</a:t>
+            </a:r>
+            <a:endParaRPr lang="zh-CN" altLang="en-US" sz="1000" dirty="0">
+              <a:latin typeface="Microsoft JhengHei" panose="020B0604030504040204" pitchFamily="34" charset="-120"/>
+              <a:ea typeface="Microsoft JhengHei" panose="020B0604030504040204" pitchFamily="34" charset="-120"/>
+            </a:endParaRPr>
+          </a:p>
+        </p:txBody>
+      </p:sp>
+      <p:sp>
+        <p:nvSpPr>
+          <p:cNvPr id="24" name="矩形 23">
+            <a:extLst>
+              <a:ext uri="{FF2B5EF4-FFF2-40B4-BE49-F238E27FC236}">
+                <a16:creationId xmlns:a16="http://schemas.microsoft.com/office/drawing/2014/main" id="{4DC1B1D0-7AE2-4B96-9510-1E3580C9DF17}"/>
+              </a:ext>
+            </a:extLst>
+          </p:cNvPr>
+          <p:cNvSpPr/>
+          <p:nvPr/>
+        </p:nvSpPr>
+        <p:spPr>
+          <a:xfrm>
+            <a:off x="4591547" y="4122493"/>
+            <a:ext cx="938804" cy="214234"/>
+          </a:xfrm>
+          <a:prstGeom prst="rect">
+            <a:avLst/>
+          </a:prstGeom>
+        </p:spPr>
+        <p:style>
+          <a:lnRef idx="2">
+            <a:schemeClr val="accent1"/>
+          </a:lnRef>
+          <a:fillRef idx="1">
+            <a:schemeClr val="lt1"/>
+          </a:fillRef>
+          <a:effectRef idx="0">
+            <a:schemeClr val="accent1"/>
+          </a:effectRef>
+          <a:fontRef idx="minor">
+            <a:schemeClr val="dk1"/>
+          </a:fontRef>
+        </p:style>
+        <p:txBody>
+          <a:bodyPr rtlCol="0" anchor="ctr"/>
+          <a:lstStyle/>
+          <a:p>
+            <a:r>
+              <a:rPr lang="en-US" altLang="zh-CN" sz="1000" dirty="0">
+                <a:latin typeface="Microsoft JhengHei" panose="020B0604030504040204" pitchFamily="34" charset="-120"/>
+                <a:ea typeface="Microsoft JhengHei" panose="020B0604030504040204" pitchFamily="34" charset="-120"/>
+              </a:rPr>
+              <a:t>G[00011]</a:t>
+            </a:r>
+            <a:endParaRPr lang="zh-CN" altLang="en-US" sz="1000" dirty="0">
+              <a:latin typeface="Microsoft JhengHei" panose="020B0604030504040204" pitchFamily="34" charset="-120"/>
+              <a:ea typeface="Microsoft JhengHei" panose="020B0604030504040204" pitchFamily="34" charset="-120"/>
+            </a:endParaRPr>
+          </a:p>
+        </p:txBody>
+      </p:sp>
+      <p:sp>
+        <p:nvSpPr>
+          <p:cNvPr id="26" name="矩形 25">
+            <a:extLst>
+              <a:ext uri="{FF2B5EF4-FFF2-40B4-BE49-F238E27FC236}">
+                <a16:creationId xmlns:a16="http://schemas.microsoft.com/office/drawing/2014/main" id="{0751D858-4887-4285-8621-89C50F210693}"/>
+              </a:ext>
+            </a:extLst>
+          </p:cNvPr>
+          <p:cNvSpPr/>
+          <p:nvPr/>
+        </p:nvSpPr>
+        <p:spPr>
+          <a:xfrm>
+            <a:off x="4591547" y="4318420"/>
+            <a:ext cx="938804" cy="214234"/>
+          </a:xfrm>
+          <a:prstGeom prst="rect">
+            <a:avLst/>
+          </a:prstGeom>
+        </p:spPr>
+        <p:style>
+          <a:lnRef idx="2">
+            <a:schemeClr val="accent1"/>
+          </a:lnRef>
+          <a:fillRef idx="1">
+            <a:schemeClr val="lt1"/>
+          </a:fillRef>
+          <a:effectRef idx="0">
+            <a:schemeClr val="accent1"/>
+          </a:effectRef>
+          <a:fontRef idx="minor">
+            <a:schemeClr val="dk1"/>
+          </a:fontRef>
+        </p:style>
+        <p:txBody>
+          <a:bodyPr rtlCol="0" anchor="ctr"/>
+          <a:lstStyle/>
+          <a:p>
+            <a:r>
+              <a:rPr lang="en-US" altLang="zh-CN" sz="1000" dirty="0">
+                <a:latin typeface="Microsoft JhengHei" panose="020B0604030504040204" pitchFamily="34" charset="-120"/>
+                <a:ea typeface="Microsoft JhengHei" panose="020B0604030504040204" pitchFamily="34" charset="-120"/>
+              </a:rPr>
+              <a:t>N[11111]</a:t>
+            </a:r>
+            <a:endParaRPr lang="zh-CN" altLang="en-US" sz="1000" dirty="0">
+              <a:latin typeface="Microsoft JhengHei" panose="020B0604030504040204" pitchFamily="34" charset="-120"/>
+              <a:ea typeface="Microsoft JhengHei" panose="020B0604030504040204" pitchFamily="34" charset="-120"/>
+            </a:endParaRPr>
+          </a:p>
+        </p:txBody>
+      </p:sp>
+      <p:sp>
+        <p:nvSpPr>
+          <p:cNvPr id="27" name="文本框 26">
+            <a:extLst>
+              <a:ext uri="{FF2B5EF4-FFF2-40B4-BE49-F238E27FC236}">
+                <a16:creationId xmlns:a16="http://schemas.microsoft.com/office/drawing/2014/main" id="{9E04C83E-AB16-4B42-84DC-05F4DA6466EE}"/>
+              </a:ext>
+            </a:extLst>
+          </p:cNvPr>
+          <p:cNvSpPr txBox="1"/>
+          <p:nvPr/>
+        </p:nvSpPr>
+        <p:spPr>
+          <a:xfrm>
+            <a:off x="3727449" y="4016960"/>
+            <a:ext cx="550151" cy="369332"/>
+          </a:xfrm>
+          <a:prstGeom prst="rect">
+            <a:avLst/>
+          </a:prstGeom>
+          <a:noFill/>
+        </p:spPr>
+        <p:txBody>
+          <a:bodyPr wrap="none" rtlCol="0">
+            <a:spAutoFit/>
+          </a:bodyPr>
+          <a:lstStyle/>
+          <a:p>
+            <a:r>
+              <a:rPr lang="en-US" altLang="zh-CN" dirty="0"/>
+              <a:t>011</a:t>
+            </a:r>
+            <a:endParaRPr lang="zh-CN" altLang="en-US" dirty="0"/>
+          </a:p>
+        </p:txBody>
+      </p:sp>
+      <p:sp>
+        <p:nvSpPr>
+          <p:cNvPr id="31" name="矩形 30">
+            <a:extLst>
+              <a:ext uri="{FF2B5EF4-FFF2-40B4-BE49-F238E27FC236}">
+                <a16:creationId xmlns:a16="http://schemas.microsoft.com/office/drawing/2014/main" id="{B6BAC917-997A-4D90-A700-14F5944804A7}"/>
+              </a:ext>
+            </a:extLst>
+          </p:cNvPr>
+          <p:cNvSpPr/>
+          <p:nvPr/>
+        </p:nvSpPr>
+        <p:spPr>
+          <a:xfrm>
+            <a:off x="4591547" y="4777466"/>
+            <a:ext cx="938804" cy="214234"/>
+          </a:xfrm>
+          <a:prstGeom prst="rect">
+            <a:avLst/>
+          </a:prstGeom>
+        </p:spPr>
+        <p:style>
+          <a:lnRef idx="2">
+            <a:schemeClr val="accent1"/>
+          </a:lnRef>
+          <a:fillRef idx="1">
+            <a:schemeClr val="lt1"/>
+          </a:fillRef>
+          <a:effectRef idx="0">
+            <a:schemeClr val="accent1"/>
+          </a:effectRef>
+          <a:fontRef idx="minor">
+            <a:schemeClr val="dk1"/>
+          </a:fontRef>
+        </p:style>
+        <p:txBody>
+          <a:bodyPr rtlCol="0" anchor="ctr"/>
+          <a:lstStyle/>
+          <a:p>
+            <a:r>
+              <a:rPr lang="en-US" altLang="zh-CN" sz="1000" dirty="0">
+                <a:latin typeface="Microsoft JhengHei" panose="020B0604030504040204" pitchFamily="34" charset="-120"/>
+                <a:ea typeface="Microsoft JhengHei" panose="020B0604030504040204" pitchFamily="34" charset="-120"/>
+              </a:rPr>
+              <a:t>E[10100]</a:t>
+            </a:r>
+          </a:p>
+        </p:txBody>
+      </p:sp>
+      <p:sp>
+        <p:nvSpPr>
+          <p:cNvPr id="32" name="矩形 31">
+            <a:extLst>
+              <a:ext uri="{FF2B5EF4-FFF2-40B4-BE49-F238E27FC236}">
+                <a16:creationId xmlns:a16="http://schemas.microsoft.com/office/drawing/2014/main" id="{5F6CF0FA-72AB-43AD-9F12-D8E0142779A2}"/>
+              </a:ext>
+            </a:extLst>
+          </p:cNvPr>
+          <p:cNvSpPr/>
+          <p:nvPr/>
+        </p:nvSpPr>
+        <p:spPr>
+          <a:xfrm>
+            <a:off x="4591547" y="4973393"/>
+            <a:ext cx="938804" cy="214234"/>
+          </a:xfrm>
+          <a:prstGeom prst="rect">
+            <a:avLst/>
+          </a:prstGeom>
+        </p:spPr>
+        <p:style>
+          <a:lnRef idx="2">
+            <a:schemeClr val="accent1"/>
+          </a:lnRef>
+          <a:fillRef idx="1">
+            <a:schemeClr val="lt1"/>
+          </a:fillRef>
+          <a:effectRef idx="0">
+            <a:schemeClr val="accent1"/>
+          </a:effectRef>
+          <a:fontRef idx="minor">
+            <a:schemeClr val="dk1"/>
+          </a:fontRef>
+        </p:style>
+        <p:txBody>
+          <a:bodyPr rtlCol="0" anchor="ctr"/>
+          <a:lstStyle/>
+          <a:p>
+            <a:r>
+              <a:rPr lang="en-US" altLang="zh-CN" sz="1000" dirty="0">
+                <a:latin typeface="Microsoft JhengHei" panose="020B0604030504040204" pitchFamily="34" charset="-120"/>
+                <a:ea typeface="Microsoft JhengHei" panose="020B0604030504040204" pitchFamily="34" charset="-120"/>
+              </a:rPr>
+              <a:t>L[11100]</a:t>
+            </a:r>
+            <a:endParaRPr lang="zh-CN" altLang="en-US" sz="1000" dirty="0">
+              <a:latin typeface="Microsoft JhengHei" panose="020B0604030504040204" pitchFamily="34" charset="-120"/>
+              <a:ea typeface="Microsoft JhengHei" panose="020B0604030504040204" pitchFamily="34" charset="-120"/>
+            </a:endParaRPr>
+          </a:p>
+        </p:txBody>
+      </p:sp>
+      <p:sp>
+        <p:nvSpPr>
+          <p:cNvPr id="33" name="矩形 32">
+            <a:extLst>
+              <a:ext uri="{FF2B5EF4-FFF2-40B4-BE49-F238E27FC236}">
+                <a16:creationId xmlns:a16="http://schemas.microsoft.com/office/drawing/2014/main" id="{4E9C9E27-C454-4711-A280-DD26F2002A14}"/>
+              </a:ext>
+            </a:extLst>
+          </p:cNvPr>
+          <p:cNvSpPr/>
+          <p:nvPr/>
+        </p:nvSpPr>
+        <p:spPr>
+          <a:xfrm>
+            <a:off x="4591547" y="5169320"/>
+            <a:ext cx="938804" cy="214234"/>
+          </a:xfrm>
+          <a:prstGeom prst="rect">
+            <a:avLst/>
+          </a:prstGeom>
+        </p:spPr>
+        <p:style>
+          <a:lnRef idx="2">
+            <a:schemeClr val="accent1"/>
+          </a:lnRef>
+          <a:fillRef idx="1">
+            <a:schemeClr val="lt1"/>
+          </a:fillRef>
+          <a:effectRef idx="0">
+            <a:schemeClr val="accent1"/>
+          </a:effectRef>
+          <a:fontRef idx="minor">
+            <a:schemeClr val="dk1"/>
+          </a:fontRef>
+        </p:style>
+        <p:txBody>
+          <a:bodyPr rtlCol="0" anchor="ctr"/>
+          <a:lstStyle/>
+          <a:p>
+            <a:r>
+              <a:rPr lang="en-US" altLang="zh-CN" sz="1000" dirty="0">
+                <a:latin typeface="Microsoft JhengHei" panose="020B0604030504040204" pitchFamily="34" charset="-120"/>
+                <a:ea typeface="Microsoft JhengHei" panose="020B0604030504040204" pitchFamily="34" charset="-120"/>
+              </a:rPr>
+              <a:t>M[01100]</a:t>
+            </a:r>
+            <a:endParaRPr lang="zh-CN" altLang="en-US" sz="1000" dirty="0">
+              <a:latin typeface="Microsoft JhengHei" panose="020B0604030504040204" pitchFamily="34" charset="-120"/>
+              <a:ea typeface="Microsoft JhengHei" panose="020B0604030504040204" pitchFamily="34" charset="-120"/>
+            </a:endParaRPr>
+          </a:p>
+        </p:txBody>
+      </p:sp>
+      <p:sp>
+        <p:nvSpPr>
+          <p:cNvPr id="34" name="文本框 33">
+            <a:extLst>
+              <a:ext uri="{FF2B5EF4-FFF2-40B4-BE49-F238E27FC236}">
+                <a16:creationId xmlns:a16="http://schemas.microsoft.com/office/drawing/2014/main" id="{D19EE37E-B72D-4BE0-96BF-1E10753A4283}"/>
+              </a:ext>
+            </a:extLst>
+          </p:cNvPr>
+          <p:cNvSpPr txBox="1"/>
+          <p:nvPr/>
+        </p:nvSpPr>
+        <p:spPr>
+          <a:xfrm>
+            <a:off x="3727449" y="4867860"/>
+            <a:ext cx="550151" cy="369332"/>
+          </a:xfrm>
+          <a:prstGeom prst="rect">
+            <a:avLst/>
+          </a:prstGeom>
+          <a:noFill/>
+        </p:spPr>
+        <p:txBody>
+          <a:bodyPr wrap="none" rtlCol="0">
+            <a:spAutoFit/>
+          </a:bodyPr>
+          <a:lstStyle/>
+          <a:p>
+            <a:r>
+              <a:rPr lang="en-US" altLang="zh-CN" dirty="0"/>
+              <a:t>100</a:t>
+            </a:r>
+            <a:endParaRPr lang="zh-CN" altLang="en-US" dirty="0"/>
+          </a:p>
+        </p:txBody>
+      </p:sp>
+      <p:sp>
+        <p:nvSpPr>
+          <p:cNvPr id="28" name="矩形 27">
+            <a:extLst>
+              <a:ext uri="{FF2B5EF4-FFF2-40B4-BE49-F238E27FC236}">
+                <a16:creationId xmlns:a16="http://schemas.microsoft.com/office/drawing/2014/main" id="{15E57393-BDCE-4A0E-AEED-DFE86937A3E0}"/>
+              </a:ext>
+            </a:extLst>
+          </p:cNvPr>
+          <p:cNvSpPr/>
+          <p:nvPr/>
+        </p:nvSpPr>
+        <p:spPr>
+          <a:xfrm>
+            <a:off x="5530352" y="2123579"/>
+            <a:ext cx="195927" cy="195927"/>
+          </a:xfrm>
+          <a:prstGeom prst="rect">
+            <a:avLst/>
+          </a:prstGeom>
+        </p:spPr>
+        <p:style>
+          <a:lnRef idx="2">
+            <a:schemeClr val="accent1"/>
+          </a:lnRef>
+          <a:fillRef idx="1">
+            <a:schemeClr val="lt1"/>
+          </a:fillRef>
+          <a:effectRef idx="0">
+            <a:schemeClr val="accent1"/>
+          </a:effectRef>
+          <a:fontRef idx="minor">
+            <a:schemeClr val="dk1"/>
+          </a:fontRef>
+        </p:style>
+        <p:txBody>
+          <a:bodyPr rtlCol="0" anchor="ctr"/>
+          <a:lstStyle/>
+          <a:p>
+            <a:pPr algn="ctr"/>
+            <a:endParaRPr lang="zh-CN" altLang="en-US"/>
+          </a:p>
+        </p:txBody>
+      </p:sp>
+      <p:sp>
+        <p:nvSpPr>
+          <p:cNvPr id="29" name="矩形 28">
+            <a:extLst>
+              <a:ext uri="{FF2B5EF4-FFF2-40B4-BE49-F238E27FC236}">
+                <a16:creationId xmlns:a16="http://schemas.microsoft.com/office/drawing/2014/main" id="{5A1F6405-7402-46C9-942A-93407596DA1C}"/>
+              </a:ext>
+            </a:extLst>
+          </p:cNvPr>
+          <p:cNvSpPr/>
+          <p:nvPr/>
+        </p:nvSpPr>
+        <p:spPr>
+          <a:xfrm>
+            <a:off x="5530352" y="1126317"/>
+            <a:ext cx="195927" cy="195927"/>
+          </a:xfrm>
+          <a:prstGeom prst="rect">
+            <a:avLst/>
+          </a:prstGeom>
+        </p:spPr>
+        <p:style>
+          <a:lnRef idx="2">
+            <a:schemeClr val="accent1"/>
+          </a:lnRef>
+          <a:fillRef idx="1">
+            <a:schemeClr val="lt1"/>
+          </a:fillRef>
+          <a:effectRef idx="0">
+            <a:schemeClr val="accent1"/>
+          </a:effectRef>
+          <a:fontRef idx="minor">
+            <a:schemeClr val="dk1"/>
+          </a:fontRef>
+        </p:style>
+        <p:txBody>
+          <a:bodyPr rtlCol="0" anchor="ctr"/>
+          <a:lstStyle/>
+          <a:p>
+            <a:pPr algn="ctr"/>
+            <a:endParaRPr lang="zh-CN" altLang="en-US"/>
+          </a:p>
+        </p:txBody>
+      </p:sp>
+      <p:sp>
+        <p:nvSpPr>
+          <p:cNvPr id="30" name="矩形 29">
+            <a:extLst>
+              <a:ext uri="{FF2B5EF4-FFF2-40B4-BE49-F238E27FC236}">
+                <a16:creationId xmlns:a16="http://schemas.microsoft.com/office/drawing/2014/main" id="{0767AB08-E1C4-4C66-A37E-C27CD3A18A92}"/>
+              </a:ext>
+            </a:extLst>
+          </p:cNvPr>
+          <p:cNvSpPr/>
+          <p:nvPr/>
+        </p:nvSpPr>
+        <p:spPr>
+          <a:xfrm>
+            <a:off x="5530352" y="3100292"/>
+            <a:ext cx="195927" cy="195927"/>
+          </a:xfrm>
+          <a:prstGeom prst="rect">
+            <a:avLst/>
+          </a:prstGeom>
+        </p:spPr>
+        <p:style>
+          <a:lnRef idx="2">
+            <a:schemeClr val="accent1"/>
+          </a:lnRef>
+          <a:fillRef idx="1">
+            <a:schemeClr val="lt1"/>
+          </a:fillRef>
+          <a:effectRef idx="0">
+            <a:schemeClr val="accent1"/>
+          </a:effectRef>
+          <a:fontRef idx="minor">
+            <a:schemeClr val="dk1"/>
+          </a:fontRef>
+        </p:style>
+        <p:txBody>
+          <a:bodyPr rot="0" spcFirstLastPara="0" vert="horz" wrap="square" lIns="91440" tIns="45720" rIns="91440" bIns="45720" numCol="1" spcCol="0" rtlCol="0" fromWordArt="0" anchor="ctr" anchorCtr="0" forceAA="0" compatLnSpc="1">
+            <a:prstTxWarp prst="textNoShape">
+              <a:avLst/>
+            </a:prstTxWarp>
+            <a:noAutofit/>
+          </a:bodyPr>
+          <a:lstStyle>
+            <a:defPPr>
+              <a:defRPr lang="zh-CN"/>
+            </a:defPPr>
+            <a:lvl1pPr marL="0" algn="l" defTabSz="914400" rtl="0" eaLnBrk="1" latinLnBrk="0" hangingPunct="1">
+              <a:defRPr sz="1800" kern="1200">
+                <a:solidFill>
+                  <a:schemeClr val="dk1"/>
+                </a:solidFill>
+                <a:latin typeface="+mn-lt"/>
+                <a:ea typeface="+mn-ea"/>
+                <a:cs typeface="+mn-cs"/>
+              </a:defRPr>
+            </a:lvl1pPr>
+            <a:lvl2pPr marL="457200" algn="l" defTabSz="914400" rtl="0" eaLnBrk="1" latinLnBrk="0" hangingPunct="1">
+              <a:defRPr sz="1800" kern="1200">
+                <a:solidFill>
+                  <a:schemeClr val="dk1"/>
+                </a:solidFill>
+                <a:latin typeface="+mn-lt"/>
+                <a:ea typeface="+mn-ea"/>
+                <a:cs typeface="+mn-cs"/>
+              </a:defRPr>
+            </a:lvl2pPr>
+            <a:lvl3pPr marL="914400" algn="l" defTabSz="914400" rtl="0" eaLnBrk="1" latinLnBrk="0" hangingPunct="1">
+              <a:defRPr sz="1800" kern="1200">
+                <a:solidFill>
+                  <a:schemeClr val="dk1"/>
+                </a:solidFill>
+                <a:latin typeface="+mn-lt"/>
+                <a:ea typeface="+mn-ea"/>
+                <a:cs typeface="+mn-cs"/>
+              </a:defRPr>
+            </a:lvl3pPr>
+            <a:lvl4pPr marL="1371600" algn="l" defTabSz="914400" rtl="0" eaLnBrk="1" latinLnBrk="0" hangingPunct="1">
+              <a:defRPr sz="1800" kern="1200">
+                <a:solidFill>
+                  <a:schemeClr val="dk1"/>
+                </a:solidFill>
+                <a:latin typeface="+mn-lt"/>
+                <a:ea typeface="+mn-ea"/>
+                <a:cs typeface="+mn-cs"/>
+              </a:defRPr>
+            </a:lvl4pPr>
+            <a:lvl5pPr marL="1828800" algn="l" defTabSz="914400" rtl="0" eaLnBrk="1" latinLnBrk="0" hangingPunct="1">
+              <a:defRPr sz="1800" kern="1200">
+                <a:solidFill>
+                  <a:schemeClr val="dk1"/>
+                </a:solidFill>
+                <a:latin typeface="+mn-lt"/>
+                <a:ea typeface="+mn-ea"/>
+                <a:cs typeface="+mn-cs"/>
+              </a:defRPr>
+            </a:lvl5pPr>
+            <a:lvl6pPr marL="2286000" algn="l" defTabSz="914400" rtl="0" eaLnBrk="1" latinLnBrk="0" hangingPunct="1">
+              <a:defRPr sz="1800" kern="1200">
+                <a:solidFill>
+                  <a:schemeClr val="dk1"/>
+                </a:solidFill>
+                <a:latin typeface="+mn-lt"/>
+                <a:ea typeface="+mn-ea"/>
+                <a:cs typeface="+mn-cs"/>
+              </a:defRPr>
+            </a:lvl6pPr>
+            <a:lvl7pPr marL="2743200" algn="l" defTabSz="914400" rtl="0" eaLnBrk="1" latinLnBrk="0" hangingPunct="1">
+              <a:defRPr sz="1800" kern="1200">
+                <a:solidFill>
+                  <a:schemeClr val="dk1"/>
+                </a:solidFill>
+                <a:latin typeface="+mn-lt"/>
+                <a:ea typeface="+mn-ea"/>
+                <a:cs typeface="+mn-cs"/>
+              </a:defRPr>
+            </a:lvl7pPr>
+            <a:lvl8pPr marL="3200400" algn="l" defTabSz="914400" rtl="0" eaLnBrk="1" latinLnBrk="0" hangingPunct="1">
+              <a:defRPr sz="1800" kern="1200">
+                <a:solidFill>
+                  <a:schemeClr val="dk1"/>
+                </a:solidFill>
+                <a:latin typeface="+mn-lt"/>
+                <a:ea typeface="+mn-ea"/>
+                <a:cs typeface="+mn-cs"/>
+              </a:defRPr>
+            </a:lvl8pPr>
+            <a:lvl9pPr marL="3657600" algn="l" defTabSz="914400" rtl="0" eaLnBrk="1" latinLnBrk="0" hangingPunct="1">
+              <a:defRPr sz="1800" kern="1200">
+                <a:solidFill>
+                  <a:schemeClr val="dk1"/>
+                </a:solidFill>
+                <a:latin typeface="+mn-lt"/>
+                <a:ea typeface="+mn-ea"/>
+                <a:cs typeface="+mn-cs"/>
+              </a:defRPr>
+            </a:lvl9pPr>
+          </a:lstStyle>
+          <a:p>
+            <a:pPr algn="ctr"/>
+            <a:endParaRPr lang="zh-CN" altLang="en-US"/>
+          </a:p>
+        </p:txBody>
+      </p:sp>
+      <p:sp>
+        <p:nvSpPr>
+          <p:cNvPr id="38" name="矩形 37">
+            <a:extLst>
+              <a:ext uri="{FF2B5EF4-FFF2-40B4-BE49-F238E27FC236}">
+                <a16:creationId xmlns:a16="http://schemas.microsoft.com/office/drawing/2014/main" id="{111854B7-C95F-4672-9FF8-CCACF99DCCA2}"/>
+              </a:ext>
+            </a:extLst>
+          </p:cNvPr>
+          <p:cNvSpPr/>
+          <p:nvPr/>
+        </p:nvSpPr>
+        <p:spPr>
+          <a:xfrm>
+            <a:off x="5530352" y="3926566"/>
+            <a:ext cx="195927" cy="195927"/>
+          </a:xfrm>
+          <a:prstGeom prst="rect">
+            <a:avLst/>
+          </a:prstGeom>
+        </p:spPr>
+        <p:style>
+          <a:lnRef idx="2">
+            <a:schemeClr val="accent1"/>
+          </a:lnRef>
+          <a:fillRef idx="1">
+            <a:schemeClr val="lt1"/>
+          </a:fillRef>
+          <a:effectRef idx="0">
+            <a:schemeClr val="accent1"/>
+          </a:effectRef>
+          <a:fontRef idx="minor">
+            <a:schemeClr val="dk1"/>
+          </a:fontRef>
+        </p:style>
+        <p:txBody>
+          <a:bodyPr rot="0" spcFirstLastPara="0" vert="horz" wrap="square" lIns="91440" tIns="45720" rIns="91440" bIns="45720" numCol="1" spcCol="0" rtlCol="0" fromWordArt="0" anchor="ctr" anchorCtr="0" forceAA="0" compatLnSpc="1">
+            <a:prstTxWarp prst="textNoShape">
+              <a:avLst/>
+            </a:prstTxWarp>
+            <a:noAutofit/>
+          </a:bodyPr>
+          <a:lstStyle>
+            <a:defPPr>
+              <a:defRPr lang="zh-CN"/>
+            </a:defPPr>
+            <a:lvl1pPr marL="0" algn="l" defTabSz="914400" rtl="0" eaLnBrk="1" latinLnBrk="0" hangingPunct="1">
+              <a:defRPr sz="1800" kern="1200">
+                <a:solidFill>
+                  <a:schemeClr val="dk1"/>
+                </a:solidFill>
+                <a:latin typeface="+mn-lt"/>
+                <a:ea typeface="+mn-ea"/>
+                <a:cs typeface="+mn-cs"/>
+              </a:defRPr>
+            </a:lvl1pPr>
+            <a:lvl2pPr marL="457200" algn="l" defTabSz="914400" rtl="0" eaLnBrk="1" latinLnBrk="0" hangingPunct="1">
+              <a:defRPr sz="1800" kern="1200">
+                <a:solidFill>
+                  <a:schemeClr val="dk1"/>
+                </a:solidFill>
+                <a:latin typeface="+mn-lt"/>
+                <a:ea typeface="+mn-ea"/>
+                <a:cs typeface="+mn-cs"/>
+              </a:defRPr>
+            </a:lvl2pPr>
+            <a:lvl3pPr marL="914400" algn="l" defTabSz="914400" rtl="0" eaLnBrk="1" latinLnBrk="0" hangingPunct="1">
+              <a:defRPr sz="1800" kern="1200">
+                <a:solidFill>
+                  <a:schemeClr val="dk1"/>
+                </a:solidFill>
+                <a:latin typeface="+mn-lt"/>
+                <a:ea typeface="+mn-ea"/>
+                <a:cs typeface="+mn-cs"/>
+              </a:defRPr>
+            </a:lvl3pPr>
+            <a:lvl4pPr marL="1371600" algn="l" defTabSz="914400" rtl="0" eaLnBrk="1" latinLnBrk="0" hangingPunct="1">
+              <a:defRPr sz="1800" kern="1200">
+                <a:solidFill>
+                  <a:schemeClr val="dk1"/>
+                </a:solidFill>
+                <a:latin typeface="+mn-lt"/>
+                <a:ea typeface="+mn-ea"/>
+                <a:cs typeface="+mn-cs"/>
+              </a:defRPr>
+            </a:lvl4pPr>
+            <a:lvl5pPr marL="1828800" algn="l" defTabSz="914400" rtl="0" eaLnBrk="1" latinLnBrk="0" hangingPunct="1">
+              <a:defRPr sz="1800" kern="1200">
+                <a:solidFill>
+                  <a:schemeClr val="dk1"/>
+                </a:solidFill>
+                <a:latin typeface="+mn-lt"/>
+                <a:ea typeface="+mn-ea"/>
+                <a:cs typeface="+mn-cs"/>
+              </a:defRPr>
+            </a:lvl5pPr>
+            <a:lvl6pPr marL="2286000" algn="l" defTabSz="914400" rtl="0" eaLnBrk="1" latinLnBrk="0" hangingPunct="1">
+              <a:defRPr sz="1800" kern="1200">
+                <a:solidFill>
+                  <a:schemeClr val="dk1"/>
+                </a:solidFill>
+                <a:latin typeface="+mn-lt"/>
+                <a:ea typeface="+mn-ea"/>
+                <a:cs typeface="+mn-cs"/>
+              </a:defRPr>
+            </a:lvl6pPr>
+            <a:lvl7pPr marL="2743200" algn="l" defTabSz="914400" rtl="0" eaLnBrk="1" latinLnBrk="0" hangingPunct="1">
+              <a:defRPr sz="1800" kern="1200">
+                <a:solidFill>
+                  <a:schemeClr val="dk1"/>
+                </a:solidFill>
+                <a:latin typeface="+mn-lt"/>
+                <a:ea typeface="+mn-ea"/>
+                <a:cs typeface="+mn-cs"/>
+              </a:defRPr>
+            </a:lvl7pPr>
+            <a:lvl8pPr marL="3200400" algn="l" defTabSz="914400" rtl="0" eaLnBrk="1" latinLnBrk="0" hangingPunct="1">
+              <a:defRPr sz="1800" kern="1200">
+                <a:solidFill>
+                  <a:schemeClr val="dk1"/>
+                </a:solidFill>
+                <a:latin typeface="+mn-lt"/>
+                <a:ea typeface="+mn-ea"/>
+                <a:cs typeface="+mn-cs"/>
+              </a:defRPr>
+            </a:lvl8pPr>
+            <a:lvl9pPr marL="3657600" algn="l" defTabSz="914400" rtl="0" eaLnBrk="1" latinLnBrk="0" hangingPunct="1">
+              <a:defRPr sz="1800" kern="1200">
+                <a:solidFill>
+                  <a:schemeClr val="dk1"/>
+                </a:solidFill>
+                <a:latin typeface="+mn-lt"/>
+                <a:ea typeface="+mn-ea"/>
+                <a:cs typeface="+mn-cs"/>
+              </a:defRPr>
+            </a:lvl9pPr>
+          </a:lstStyle>
+          <a:p>
+            <a:pPr algn="ctr"/>
+            <a:endParaRPr lang="zh-CN" altLang="en-US"/>
+          </a:p>
+        </p:txBody>
+      </p:sp>
+      <p:sp>
+        <p:nvSpPr>
+          <p:cNvPr id="39" name="矩形 38">
+            <a:extLst>
+              <a:ext uri="{FF2B5EF4-FFF2-40B4-BE49-F238E27FC236}">
+                <a16:creationId xmlns:a16="http://schemas.microsoft.com/office/drawing/2014/main" id="{0C537DF8-808A-4875-8614-D697D42D3BF5}"/>
+              </a:ext>
+            </a:extLst>
+          </p:cNvPr>
+          <p:cNvSpPr/>
+          <p:nvPr/>
+        </p:nvSpPr>
+        <p:spPr>
+          <a:xfrm>
+            <a:off x="5530351" y="4777466"/>
+            <a:ext cx="195927" cy="195927"/>
+          </a:xfrm>
+          <a:prstGeom prst="rect">
+            <a:avLst/>
+          </a:prstGeom>
+        </p:spPr>
+        <p:style>
+          <a:lnRef idx="2">
+            <a:schemeClr val="accent1"/>
+          </a:lnRef>
+          <a:fillRef idx="1">
+            <a:schemeClr val="lt1"/>
+          </a:fillRef>
+          <a:effectRef idx="0">
+            <a:schemeClr val="accent1"/>
+          </a:effectRef>
+          <a:fontRef idx="minor">
+            <a:schemeClr val="dk1"/>
+          </a:fontRef>
+        </p:style>
+        <p:txBody>
+          <a:bodyPr rot="0" spcFirstLastPara="0" vert="horz" wrap="square" lIns="91440" tIns="45720" rIns="91440" bIns="45720" numCol="1" spcCol="0" rtlCol="0" fromWordArt="0" anchor="ctr" anchorCtr="0" forceAA="0" compatLnSpc="1">
+            <a:prstTxWarp prst="textNoShape">
+              <a:avLst/>
+            </a:prstTxWarp>
+            <a:noAutofit/>
+          </a:bodyPr>
+          <a:lstStyle>
+            <a:defPPr>
+              <a:defRPr lang="zh-CN"/>
+            </a:defPPr>
+            <a:lvl1pPr marL="0" algn="l" defTabSz="914400" rtl="0" eaLnBrk="1" latinLnBrk="0" hangingPunct="1">
+              <a:defRPr sz="1800" kern="1200">
+                <a:solidFill>
+                  <a:schemeClr val="dk1"/>
+                </a:solidFill>
+                <a:latin typeface="+mn-lt"/>
+                <a:ea typeface="+mn-ea"/>
+                <a:cs typeface="+mn-cs"/>
+              </a:defRPr>
+            </a:lvl1pPr>
+            <a:lvl2pPr marL="457200" algn="l" defTabSz="914400" rtl="0" eaLnBrk="1" latinLnBrk="0" hangingPunct="1">
+              <a:defRPr sz="1800" kern="1200">
+                <a:solidFill>
+                  <a:schemeClr val="dk1"/>
+                </a:solidFill>
+                <a:latin typeface="+mn-lt"/>
+                <a:ea typeface="+mn-ea"/>
+                <a:cs typeface="+mn-cs"/>
+              </a:defRPr>
+            </a:lvl2pPr>
+            <a:lvl3pPr marL="914400" algn="l" defTabSz="914400" rtl="0" eaLnBrk="1" latinLnBrk="0" hangingPunct="1">
+              <a:defRPr sz="1800" kern="1200">
+                <a:solidFill>
+                  <a:schemeClr val="dk1"/>
+                </a:solidFill>
+                <a:latin typeface="+mn-lt"/>
+                <a:ea typeface="+mn-ea"/>
+                <a:cs typeface="+mn-cs"/>
+              </a:defRPr>
+            </a:lvl3pPr>
+            <a:lvl4pPr marL="1371600" algn="l" defTabSz="914400" rtl="0" eaLnBrk="1" latinLnBrk="0" hangingPunct="1">
+              <a:defRPr sz="1800" kern="1200">
+                <a:solidFill>
+                  <a:schemeClr val="dk1"/>
+                </a:solidFill>
+                <a:latin typeface="+mn-lt"/>
+                <a:ea typeface="+mn-ea"/>
+                <a:cs typeface="+mn-cs"/>
+              </a:defRPr>
+            </a:lvl4pPr>
+            <a:lvl5pPr marL="1828800" algn="l" defTabSz="914400" rtl="0" eaLnBrk="1" latinLnBrk="0" hangingPunct="1">
+              <a:defRPr sz="1800" kern="1200">
+                <a:solidFill>
+                  <a:schemeClr val="dk1"/>
+                </a:solidFill>
+                <a:latin typeface="+mn-lt"/>
+                <a:ea typeface="+mn-ea"/>
+                <a:cs typeface="+mn-cs"/>
+              </a:defRPr>
+            </a:lvl5pPr>
+            <a:lvl6pPr marL="2286000" algn="l" defTabSz="914400" rtl="0" eaLnBrk="1" latinLnBrk="0" hangingPunct="1">
+              <a:defRPr sz="1800" kern="1200">
+                <a:solidFill>
+                  <a:schemeClr val="dk1"/>
+                </a:solidFill>
+                <a:latin typeface="+mn-lt"/>
+                <a:ea typeface="+mn-ea"/>
+                <a:cs typeface="+mn-cs"/>
+              </a:defRPr>
+            </a:lvl6pPr>
+            <a:lvl7pPr marL="2743200" algn="l" defTabSz="914400" rtl="0" eaLnBrk="1" latinLnBrk="0" hangingPunct="1">
+              <a:defRPr sz="1800" kern="1200">
+                <a:solidFill>
+                  <a:schemeClr val="dk1"/>
+                </a:solidFill>
+                <a:latin typeface="+mn-lt"/>
+                <a:ea typeface="+mn-ea"/>
+                <a:cs typeface="+mn-cs"/>
+              </a:defRPr>
+            </a:lvl7pPr>
+            <a:lvl8pPr marL="3200400" algn="l" defTabSz="914400" rtl="0" eaLnBrk="1" latinLnBrk="0" hangingPunct="1">
+              <a:defRPr sz="1800" kern="1200">
+                <a:solidFill>
+                  <a:schemeClr val="dk1"/>
+                </a:solidFill>
+                <a:latin typeface="+mn-lt"/>
+                <a:ea typeface="+mn-ea"/>
+                <a:cs typeface="+mn-cs"/>
+              </a:defRPr>
+            </a:lvl8pPr>
+            <a:lvl9pPr marL="3657600" algn="l" defTabSz="914400" rtl="0" eaLnBrk="1" latinLnBrk="0" hangingPunct="1">
+              <a:defRPr sz="1800" kern="1200">
+                <a:solidFill>
+                  <a:schemeClr val="dk1"/>
+                </a:solidFill>
+                <a:latin typeface="+mn-lt"/>
+                <a:ea typeface="+mn-ea"/>
+                <a:cs typeface="+mn-cs"/>
+              </a:defRPr>
+            </a:lvl9pPr>
+          </a:lstStyle>
+          <a:p>
+            <a:pPr algn="ctr"/>
+            <a:endParaRPr lang="zh-CN" altLang="en-US"/>
+          </a:p>
+        </p:txBody>
+      </p:sp>
+      <p:sp>
+        <p:nvSpPr>
+          <p:cNvPr id="41" name="矩形 40">
+            <a:extLst>
+              <a:ext uri="{FF2B5EF4-FFF2-40B4-BE49-F238E27FC236}">
+                <a16:creationId xmlns:a16="http://schemas.microsoft.com/office/drawing/2014/main" id="{26549F6A-44A8-4A1C-8AB7-C0423E744B4E}"/>
+              </a:ext>
+            </a:extLst>
+          </p:cNvPr>
+          <p:cNvSpPr/>
+          <p:nvPr/>
+        </p:nvSpPr>
+        <p:spPr>
+          <a:xfrm>
+            <a:off x="4597898" y="5646673"/>
+            <a:ext cx="938804" cy="214234"/>
+          </a:xfrm>
+          <a:prstGeom prst="rect">
+            <a:avLst/>
+          </a:prstGeom>
+        </p:spPr>
+        <p:style>
+          <a:lnRef idx="2">
+            <a:schemeClr val="accent1"/>
+          </a:lnRef>
+          <a:fillRef idx="1">
+            <a:schemeClr val="lt1"/>
+          </a:fillRef>
+          <a:effectRef idx="0">
+            <a:schemeClr val="accent1"/>
+          </a:effectRef>
+          <a:fontRef idx="minor">
+            <a:schemeClr val="dk1"/>
+          </a:fontRef>
+        </p:style>
+        <p:txBody>
+          <a:bodyPr rtlCol="0" anchor="ctr"/>
+          <a:lstStyle/>
+          <a:p>
+            <a:r>
+              <a:rPr lang="en-US" altLang="zh-CN" sz="1000" dirty="0">
+                <a:latin typeface="Microsoft JhengHei" panose="020B0604030504040204" pitchFamily="34" charset="-120"/>
+                <a:ea typeface="Microsoft JhengHei" panose="020B0604030504040204" pitchFamily="34" charset="-120"/>
+              </a:rPr>
+              <a:t>C[00101]</a:t>
+            </a:r>
+            <a:endParaRPr lang="zh-CN" altLang="en-US" sz="1000" dirty="0">
+              <a:latin typeface="Microsoft JhengHei" panose="020B0604030504040204" pitchFamily="34" charset="-120"/>
+              <a:ea typeface="Microsoft JhengHei" panose="020B0604030504040204" pitchFamily="34" charset="-120"/>
+            </a:endParaRPr>
+          </a:p>
+        </p:txBody>
+      </p:sp>
+      <p:sp>
+        <p:nvSpPr>
+          <p:cNvPr id="42" name="矩形 41">
+            <a:extLst>
+              <a:ext uri="{FF2B5EF4-FFF2-40B4-BE49-F238E27FC236}">
+                <a16:creationId xmlns:a16="http://schemas.microsoft.com/office/drawing/2014/main" id="{F4B9B122-A55D-4E6A-B49A-A5D5CC375FA2}"/>
+              </a:ext>
+            </a:extLst>
+          </p:cNvPr>
+          <p:cNvSpPr/>
+          <p:nvPr/>
+        </p:nvSpPr>
+        <p:spPr>
+          <a:xfrm>
+            <a:off x="4597898" y="5842600"/>
+            <a:ext cx="938804" cy="214234"/>
+          </a:xfrm>
+          <a:prstGeom prst="rect">
+            <a:avLst/>
+          </a:prstGeom>
+        </p:spPr>
+        <p:style>
+          <a:lnRef idx="2">
+            <a:schemeClr val="accent1"/>
+          </a:lnRef>
+          <a:fillRef idx="1">
+            <a:schemeClr val="lt1"/>
+          </a:fillRef>
+          <a:effectRef idx="0">
+            <a:schemeClr val="accent1"/>
+          </a:effectRef>
+          <a:fontRef idx="minor">
+            <a:schemeClr val="dk1"/>
+          </a:fontRef>
+        </p:style>
+        <p:txBody>
+          <a:bodyPr rtlCol="0" anchor="ctr"/>
+          <a:lstStyle/>
+          <a:p>
+            <a:r>
+              <a:rPr lang="en-US" altLang="zh-CN" sz="1000" dirty="0">
+                <a:latin typeface="Microsoft JhengHei" panose="020B0604030504040204" pitchFamily="34" charset="-120"/>
+                <a:ea typeface="Microsoft JhengHei" panose="020B0604030504040204" pitchFamily="34" charset="-120"/>
+              </a:rPr>
+              <a:t>J[01101]</a:t>
+            </a:r>
+            <a:endParaRPr lang="zh-CN" altLang="en-US" sz="1000" dirty="0">
+              <a:latin typeface="Microsoft JhengHei" panose="020B0604030504040204" pitchFamily="34" charset="-120"/>
+              <a:ea typeface="Microsoft JhengHei" panose="020B0604030504040204" pitchFamily="34" charset="-120"/>
+            </a:endParaRPr>
+          </a:p>
+        </p:txBody>
+      </p:sp>
+      <p:sp>
+        <p:nvSpPr>
+          <p:cNvPr id="43" name="矩形 42">
+            <a:extLst>
+              <a:ext uri="{FF2B5EF4-FFF2-40B4-BE49-F238E27FC236}">
+                <a16:creationId xmlns:a16="http://schemas.microsoft.com/office/drawing/2014/main" id="{F87F5942-0A05-4AA0-A531-775CFB817667}"/>
+              </a:ext>
+            </a:extLst>
+          </p:cNvPr>
+          <p:cNvSpPr/>
+          <p:nvPr/>
+        </p:nvSpPr>
+        <p:spPr>
+          <a:xfrm>
+            <a:off x="4597898" y="6038527"/>
+            <a:ext cx="938804" cy="214234"/>
+          </a:xfrm>
+          <a:prstGeom prst="rect">
+            <a:avLst/>
+          </a:prstGeom>
+        </p:spPr>
+        <p:style>
+          <a:lnRef idx="2">
+            <a:schemeClr val="accent1"/>
+          </a:lnRef>
+          <a:fillRef idx="1">
+            <a:schemeClr val="lt1"/>
+          </a:fillRef>
+          <a:effectRef idx="0">
+            <a:schemeClr val="accent1"/>
+          </a:effectRef>
+          <a:fontRef idx="minor">
+            <a:schemeClr val="dk1"/>
+          </a:fontRef>
+        </p:style>
+        <p:txBody>
+          <a:bodyPr rtlCol="0" anchor="ctr"/>
+          <a:lstStyle/>
+          <a:p>
+            <a:r>
+              <a:rPr lang="en-US" altLang="zh-CN" sz="1000" dirty="0">
+                <a:latin typeface="Microsoft JhengHei" panose="020B0604030504040204" pitchFamily="34" charset="-120"/>
+                <a:ea typeface="Microsoft JhengHei" panose="020B0604030504040204" pitchFamily="34" charset="-120"/>
+              </a:rPr>
+              <a:t>K[10101]</a:t>
+            </a:r>
+            <a:endParaRPr lang="zh-CN" altLang="en-US" sz="1000" dirty="0">
+              <a:latin typeface="Microsoft JhengHei" panose="020B0604030504040204" pitchFamily="34" charset="-120"/>
+              <a:ea typeface="Microsoft JhengHei" panose="020B0604030504040204" pitchFamily="34" charset="-120"/>
+            </a:endParaRPr>
+          </a:p>
+        </p:txBody>
+      </p:sp>
+      <p:sp>
+        <p:nvSpPr>
+          <p:cNvPr id="44" name="文本框 43">
+            <a:extLst>
+              <a:ext uri="{FF2B5EF4-FFF2-40B4-BE49-F238E27FC236}">
+                <a16:creationId xmlns:a16="http://schemas.microsoft.com/office/drawing/2014/main" id="{E05E853F-5B2F-4452-89BA-7513EFC6A79B}"/>
+              </a:ext>
+            </a:extLst>
+          </p:cNvPr>
+          <p:cNvSpPr txBox="1"/>
+          <p:nvPr/>
+        </p:nvSpPr>
+        <p:spPr>
+          <a:xfrm>
+            <a:off x="3733800" y="5737067"/>
+            <a:ext cx="550151" cy="369332"/>
+          </a:xfrm>
+          <a:prstGeom prst="rect">
+            <a:avLst/>
+          </a:prstGeom>
+          <a:noFill/>
+        </p:spPr>
+        <p:txBody>
+          <a:bodyPr wrap="none" rtlCol="0">
+            <a:spAutoFit/>
+          </a:bodyPr>
+          <a:lstStyle/>
+          <a:p>
+            <a:r>
+              <a:rPr lang="en-US" altLang="zh-CN" dirty="0"/>
+              <a:t>101</a:t>
+            </a:r>
+            <a:endParaRPr lang="zh-CN" altLang="en-US" dirty="0"/>
+          </a:p>
+        </p:txBody>
+      </p:sp>
+      <p:sp>
+        <p:nvSpPr>
+          <p:cNvPr id="45" name="矩形 44">
+            <a:extLst>
+              <a:ext uri="{FF2B5EF4-FFF2-40B4-BE49-F238E27FC236}">
+                <a16:creationId xmlns:a16="http://schemas.microsoft.com/office/drawing/2014/main" id="{DF630EEF-287C-47F5-B5E1-B70A5060393A}"/>
+              </a:ext>
+            </a:extLst>
+          </p:cNvPr>
+          <p:cNvSpPr/>
+          <p:nvPr/>
+        </p:nvSpPr>
+        <p:spPr>
+          <a:xfrm>
+            <a:off x="5536702" y="5646673"/>
             <a:ext cx="195927" cy="195927"/>
           </a:xfrm>
           <a:prstGeom prst="rect">
